--- a/0_Docs_dir/3_General/6 семестр/НИД 6 семестр.pptx
+++ b/0_Docs_dir/3_General/6 семестр/НИД 6 семестр.pptx
@@ -5,12 +5,11 @@
     <p:sldMasterId id="2147483648" r:id="rId1"/>
   </p:sldMasterIdLst>
   <p:notesMasterIdLst>
-    <p:notesMasterId r:id="rId5"/>
+    <p:notesMasterId r:id="rId4"/>
   </p:notesMasterIdLst>
   <p:sldIdLst>
     <p:sldId id="256" r:id="rId2"/>
     <p:sldId id="291" r:id="rId3"/>
-    <p:sldId id="284" r:id="rId4"/>
   </p:sldIdLst>
   <p:sldSz cx="12192000" cy="6858000"/>
   <p:notesSz cx="6858000" cy="9144000"/>
@@ -199,7 +198,7 @@
           <a:p>
             <a:fld id="{E08BA5C7-0DF6-4BB3-8D80-C09E800CF8CB}" type="datetimeFigureOut">
               <a:rPr lang="ru-RU" smtClean="0"/>
-              <a:t>13.06.2021</a:t>
+              <a:t>14.06.2021</a:t>
             </a:fld>
             <a:endParaRPr lang="ru-RU"/>
           </a:p>
@@ -598,7 +597,7 @@
           <a:p>
             <a:fld id="{817AFE9C-9D88-408D-88B4-E7A081487440}" type="datetimeFigureOut">
               <a:rPr lang="ru-RU" smtClean="0"/>
-              <a:t>13.06.2021</a:t>
+              <a:t>14.06.2021</a:t>
             </a:fld>
             <a:endParaRPr lang="ru-RU"/>
           </a:p>
@@ -768,7 +767,7 @@
           <a:p>
             <a:fld id="{817AFE9C-9D88-408D-88B4-E7A081487440}" type="datetimeFigureOut">
               <a:rPr lang="ru-RU" smtClean="0"/>
-              <a:t>13.06.2021</a:t>
+              <a:t>14.06.2021</a:t>
             </a:fld>
             <a:endParaRPr lang="ru-RU"/>
           </a:p>
@@ -948,7 +947,7 @@
           <a:p>
             <a:fld id="{817AFE9C-9D88-408D-88B4-E7A081487440}" type="datetimeFigureOut">
               <a:rPr lang="ru-RU" smtClean="0"/>
-              <a:t>13.06.2021</a:t>
+              <a:t>14.06.2021</a:t>
             </a:fld>
             <a:endParaRPr lang="ru-RU"/>
           </a:p>
@@ -1118,7 +1117,7 @@
           <a:p>
             <a:fld id="{817AFE9C-9D88-408D-88B4-E7A081487440}" type="datetimeFigureOut">
               <a:rPr lang="ru-RU" smtClean="0"/>
-              <a:t>13.06.2021</a:t>
+              <a:t>14.06.2021</a:t>
             </a:fld>
             <a:endParaRPr lang="ru-RU"/>
           </a:p>
@@ -1364,7 +1363,7 @@
           <a:p>
             <a:fld id="{817AFE9C-9D88-408D-88B4-E7A081487440}" type="datetimeFigureOut">
               <a:rPr lang="ru-RU" smtClean="0"/>
-              <a:t>13.06.2021</a:t>
+              <a:t>14.06.2021</a:t>
             </a:fld>
             <a:endParaRPr lang="ru-RU"/>
           </a:p>
@@ -1596,7 +1595,7 @@
           <a:p>
             <a:fld id="{817AFE9C-9D88-408D-88B4-E7A081487440}" type="datetimeFigureOut">
               <a:rPr lang="ru-RU" smtClean="0"/>
-              <a:t>13.06.2021</a:t>
+              <a:t>14.06.2021</a:t>
             </a:fld>
             <a:endParaRPr lang="ru-RU"/>
           </a:p>
@@ -1963,7 +1962,7 @@
           <a:p>
             <a:fld id="{817AFE9C-9D88-408D-88B4-E7A081487440}" type="datetimeFigureOut">
               <a:rPr lang="ru-RU" smtClean="0"/>
-              <a:t>13.06.2021</a:t>
+              <a:t>14.06.2021</a:t>
             </a:fld>
             <a:endParaRPr lang="ru-RU"/>
           </a:p>
@@ -2081,7 +2080,7 @@
           <a:p>
             <a:fld id="{817AFE9C-9D88-408D-88B4-E7A081487440}" type="datetimeFigureOut">
               <a:rPr lang="ru-RU" smtClean="0"/>
-              <a:t>13.06.2021</a:t>
+              <a:t>14.06.2021</a:t>
             </a:fld>
             <a:endParaRPr lang="ru-RU"/>
           </a:p>
@@ -2176,7 +2175,7 @@
           <a:p>
             <a:fld id="{817AFE9C-9D88-408D-88B4-E7A081487440}" type="datetimeFigureOut">
               <a:rPr lang="ru-RU" smtClean="0"/>
-              <a:t>13.06.2021</a:t>
+              <a:t>14.06.2021</a:t>
             </a:fld>
             <a:endParaRPr lang="ru-RU"/>
           </a:p>
@@ -2453,7 +2452,7 @@
           <a:p>
             <a:fld id="{817AFE9C-9D88-408D-88B4-E7A081487440}" type="datetimeFigureOut">
               <a:rPr lang="ru-RU" smtClean="0"/>
-              <a:t>13.06.2021</a:t>
+              <a:t>14.06.2021</a:t>
             </a:fld>
             <a:endParaRPr lang="ru-RU"/>
           </a:p>
@@ -2706,7 +2705,7 @@
           <a:p>
             <a:fld id="{817AFE9C-9D88-408D-88B4-E7A081487440}" type="datetimeFigureOut">
               <a:rPr lang="ru-RU" smtClean="0"/>
-              <a:t>13.06.2021</a:t>
+              <a:t>14.06.2021</a:t>
             </a:fld>
             <a:endParaRPr lang="ru-RU"/>
           </a:p>
@@ -2919,7 +2918,7 @@
           <a:p>
             <a:fld id="{817AFE9C-9D88-408D-88B4-E7A081487440}" type="datetimeFigureOut">
               <a:rPr lang="ru-RU" smtClean="0"/>
-              <a:t>13.06.2021</a:t>
+              <a:t>14.06.2021</a:t>
             </a:fld>
             <a:endParaRPr lang="ru-RU"/>
           </a:p>
@@ -3684,105 +3683,283 @@
       </p:grpSpPr>
       <p:sp>
         <p:nvSpPr>
-          <p:cNvPr id="2" name="Заголовок 1"/>
-          <p:cNvSpPr>
-            <a:spLocks noGrp="1"/>
-          </p:cNvSpPr>
-          <p:nvPr>
-            <p:ph type="title"/>
-          </p:nvPr>
-        </p:nvSpPr>
-        <p:spPr/>
-        <p:txBody>
-          <a:bodyPr/>
-          <a:lstStyle/>
-          <a:p>
-            <a:r>
-              <a:rPr lang="ru-RU" dirty="0" smtClean="0">
+          <p:cNvPr id="3" name="Объект 2"/>
+          <p:cNvSpPr>
+            <a:spLocks noGrp="1"/>
+          </p:cNvSpPr>
+          <p:nvPr>
+            <p:ph idx="1"/>
+          </p:nvPr>
+        </p:nvSpPr>
+        <p:spPr>
+          <a:xfrm>
+            <a:off x="863366" y="159391"/>
+            <a:ext cx="10515600" cy="6535024"/>
+          </a:xfrm>
+        </p:spPr>
+        <p:txBody>
+          <a:bodyPr>
+            <a:noAutofit/>
+          </a:bodyPr>
+          <a:lstStyle/>
+          <a:p>
+            <a:pPr marL="0" indent="0">
+              <a:lnSpc>
+                <a:spcPct val="120000"/>
+              </a:lnSpc>
+              <a:buNone/>
+            </a:pPr>
+            <a:r>
+              <a:rPr lang="ru-RU" sz="1400" b="1" i="1" dirty="0" smtClean="0">
                 <a:latin typeface="Times New Roman" panose="02020603050405020304" pitchFamily="18" charset="0"/>
                 <a:cs typeface="Times New Roman" panose="02020603050405020304" pitchFamily="18" charset="0"/>
               </a:rPr>
-              <a:t>Решённые задачи:</a:t>
-            </a:r>
-            <a:endParaRPr lang="ru-RU" dirty="0">
+              <a:t>В </a:t>
+            </a:r>
+            <a:r>
+              <a:rPr lang="ru-RU" sz="1400" b="1" i="1" dirty="0">
+                <a:latin typeface="Times New Roman" panose="02020603050405020304" pitchFamily="18" charset="0"/>
+                <a:cs typeface="Times New Roman" panose="02020603050405020304" pitchFamily="18" charset="0"/>
+              </a:rPr>
+              <a:t>текущем семестре:</a:t>
+            </a:r>
+            <a:endParaRPr lang="ru-RU" sz="1400" b="1" dirty="0">
               <a:latin typeface="Times New Roman" panose="02020603050405020304" pitchFamily="18" charset="0"/>
               <a:cs typeface="Times New Roman" panose="02020603050405020304" pitchFamily="18" charset="0"/>
             </a:endParaRPr>
           </a:p>
-        </p:txBody>
-      </p:sp>
-      <p:sp>
-        <p:nvSpPr>
-          <p:cNvPr id="3" name="Объект 2"/>
-          <p:cNvSpPr>
-            <a:spLocks noGrp="1"/>
-          </p:cNvSpPr>
-          <p:nvPr>
-            <p:ph idx="1"/>
-          </p:nvPr>
-        </p:nvSpPr>
-        <p:spPr/>
-        <p:txBody>
-          <a:bodyPr>
-            <a:normAutofit fontScale="62500" lnSpcReduction="20000"/>
-          </a:bodyPr>
-          <a:lstStyle/>
-          <a:p>
-            <a:r>
-              <a:rPr lang="ru-RU" i="1" dirty="0" smtClean="0"/>
-              <a:t>В </a:t>
-            </a:r>
-            <a:r>
-              <a:rPr lang="ru-RU" i="1" dirty="0"/>
-              <a:t>текущем семестре:</a:t>
-            </a:r>
-            <a:endParaRPr lang="ru-RU" dirty="0"/>
-          </a:p>
-          <a:p>
-            <a:r>
-              <a:rPr lang="ru-RU" dirty="0"/>
+          <a:p>
+            <a:pPr>
+              <a:lnSpc>
+                <a:spcPct val="120000"/>
+              </a:lnSpc>
+            </a:pPr>
+            <a:r>
+              <a:rPr lang="ru-RU" sz="1400" dirty="0">
+                <a:latin typeface="Times New Roman" panose="02020603050405020304" pitchFamily="18" charset="0"/>
+                <a:cs typeface="Times New Roman" panose="02020603050405020304" pitchFamily="18" charset="0"/>
+              </a:rPr>
               <a:t>Проведена более глубокая проверка по выявлению причин, предварительно полученных результатов, в следствии создания модального регулятора и наблюдателя состояния для взаимосвязанной модели отгонной части ректификационной колонны (ОРК) + Теплообменника.</a:t>
             </a:r>
           </a:p>
           <a:p>
-            <a:r>
-              <a:rPr lang="ru-RU" dirty="0"/>
-              <a:t>Также были выявлены определяющие параметры для взаимосвязанной модели укрепляющей части ректификационной колонны (УРК) + аппарата воздушного охлаждения (АВО).</a:t>
-            </a:r>
-          </a:p>
-          <a:p>
-            <a:r>
-              <a:rPr lang="ru-RU" dirty="0"/>
-              <a:t> </a:t>
-            </a:r>
-          </a:p>
-          <a:p>
-            <a:r>
-              <a:rPr lang="ru-RU" i="1" dirty="0"/>
+            <a:pPr>
+              <a:lnSpc>
+                <a:spcPct val="120000"/>
+              </a:lnSpc>
+            </a:pPr>
+            <a:r>
+              <a:rPr lang="ru-RU" sz="1400" dirty="0">
+                <a:latin typeface="Times New Roman" panose="02020603050405020304" pitchFamily="18" charset="0"/>
+                <a:cs typeface="Times New Roman" panose="02020603050405020304" pitchFamily="18" charset="0"/>
+              </a:rPr>
+              <a:t>Также были выявлены определяющие параметры для взаимосвязанной модели укрепляющей части ректификационной колонны (УРК) + аппарата воздушного охлаждения (АВО</a:t>
+            </a:r>
+            <a:r>
+              <a:rPr lang="ru-RU" sz="1400" dirty="0" smtClean="0">
+                <a:latin typeface="Times New Roman" panose="02020603050405020304" pitchFamily="18" charset="0"/>
+                <a:cs typeface="Times New Roman" panose="02020603050405020304" pitchFamily="18" charset="0"/>
+              </a:rPr>
+              <a:t>).</a:t>
+            </a:r>
+            <a:endParaRPr lang="en-US" sz="1400" dirty="0" smtClean="0">
+              <a:latin typeface="Times New Roman" panose="02020603050405020304" pitchFamily="18" charset="0"/>
+              <a:cs typeface="Times New Roman" panose="02020603050405020304" pitchFamily="18" charset="0"/>
+            </a:endParaRPr>
+          </a:p>
+          <a:p>
+            <a:pPr>
+              <a:lnSpc>
+                <a:spcPct val="120000"/>
+              </a:lnSpc>
+            </a:pPr>
+            <a:r>
+              <a:rPr lang="ru-RU" sz="1400" dirty="0" smtClean="0">
+                <a:latin typeface="Times New Roman" panose="02020603050405020304" pitchFamily="18" charset="0"/>
+                <a:cs typeface="Times New Roman" panose="02020603050405020304" pitchFamily="18" charset="0"/>
+              </a:rPr>
+              <a:t>Начата третья глава диссертации (Синтез регуляторов).</a:t>
+            </a:r>
+          </a:p>
+          <a:p>
+            <a:pPr>
+              <a:lnSpc>
+                <a:spcPct val="120000"/>
+              </a:lnSpc>
+            </a:pPr>
+            <a:r>
+              <a:rPr lang="ru-RU" sz="1400" dirty="0">
+                <a:latin typeface="Times New Roman" panose="02020603050405020304" pitchFamily="18" charset="0"/>
+                <a:cs typeface="Times New Roman" panose="02020603050405020304" pitchFamily="18" charset="0"/>
+              </a:rPr>
+              <a:t>Были проверены контрольные работы по </a:t>
+            </a:r>
+            <a:r>
+              <a:rPr lang="ru-RU" sz="1400" dirty="0" smtClean="0">
+                <a:latin typeface="Times New Roman" panose="02020603050405020304" pitchFamily="18" charset="0"/>
+                <a:cs typeface="Times New Roman" panose="02020603050405020304" pitchFamily="18" charset="0"/>
+              </a:rPr>
+              <a:t>предмету «Элементы </a:t>
+            </a:r>
+            <a:r>
+              <a:rPr lang="ru-RU" sz="1400" dirty="0">
+                <a:latin typeface="Times New Roman" panose="02020603050405020304" pitchFamily="18" charset="0"/>
+                <a:cs typeface="Times New Roman" panose="02020603050405020304" pitchFamily="18" charset="0"/>
+              </a:rPr>
+              <a:t>и устройства систем </a:t>
+            </a:r>
+            <a:r>
+              <a:rPr lang="ru-RU" sz="1400" dirty="0" smtClean="0">
+                <a:latin typeface="Times New Roman" panose="02020603050405020304" pitchFamily="18" charset="0"/>
+                <a:cs typeface="Times New Roman" panose="02020603050405020304" pitchFamily="18" charset="0"/>
+              </a:rPr>
+              <a:t>управления» для групп </a:t>
+            </a:r>
+            <a:r>
+              <a:rPr lang="ru-RU" sz="1400" dirty="0">
+                <a:latin typeface="Times New Roman" panose="02020603050405020304" pitchFamily="18" charset="0"/>
+                <a:cs typeface="Times New Roman" panose="02020603050405020304" pitchFamily="18" charset="0"/>
+              </a:rPr>
+              <a:t>8391,8392</a:t>
+            </a:r>
+            <a:endParaRPr lang="ru-RU" sz="1400" dirty="0">
+              <a:latin typeface="Times New Roman" panose="02020603050405020304" pitchFamily="18" charset="0"/>
+              <a:cs typeface="Times New Roman" panose="02020603050405020304" pitchFamily="18" charset="0"/>
+            </a:endParaRPr>
+          </a:p>
+          <a:p>
+            <a:pPr marL="0" indent="0">
+              <a:lnSpc>
+                <a:spcPct val="120000"/>
+              </a:lnSpc>
+              <a:buNone/>
+            </a:pPr>
+            <a:endParaRPr lang="ru-RU" sz="1400" dirty="0">
+              <a:latin typeface="Times New Roman" panose="02020603050405020304" pitchFamily="18" charset="0"/>
+              <a:cs typeface="Times New Roman" panose="02020603050405020304" pitchFamily="18" charset="0"/>
+            </a:endParaRPr>
+          </a:p>
+          <a:p>
+            <a:pPr marL="0" indent="0">
+              <a:lnSpc>
+                <a:spcPct val="120000"/>
+              </a:lnSpc>
+              <a:buNone/>
+            </a:pPr>
+            <a:r>
+              <a:rPr lang="ru-RU" sz="1400" b="1" i="1" dirty="0">
+                <a:latin typeface="Times New Roman" panose="02020603050405020304" pitchFamily="18" charset="0"/>
+                <a:cs typeface="Times New Roman" panose="02020603050405020304" pitchFamily="18" charset="0"/>
+              </a:rPr>
               <a:t>Планируется:</a:t>
             </a:r>
-            <a:endParaRPr lang="ru-RU" dirty="0"/>
-          </a:p>
-          <a:p>
-            <a:r>
-              <a:rPr lang="ru-RU" dirty="0"/>
+            <a:endParaRPr lang="ru-RU" sz="1400" b="1" dirty="0">
+              <a:latin typeface="Times New Roman" panose="02020603050405020304" pitchFamily="18" charset="0"/>
+              <a:cs typeface="Times New Roman" panose="02020603050405020304" pitchFamily="18" charset="0"/>
+            </a:endParaRPr>
+          </a:p>
+          <a:p>
+            <a:pPr>
+              <a:lnSpc>
+                <a:spcPct val="120000"/>
+              </a:lnSpc>
+            </a:pPr>
+            <a:r>
+              <a:rPr lang="ru-RU" sz="1400" dirty="0">
+                <a:latin typeface="Times New Roman" panose="02020603050405020304" pitchFamily="18" charset="0"/>
+                <a:cs typeface="Times New Roman" panose="02020603050405020304" pitchFamily="18" charset="0"/>
+              </a:rPr>
               <a:t>Провести анализ существующего ПИ-регулятора в контуре АВО на отработку внешних возмущений по выявленным ранее определяющим параметрам системы.</a:t>
             </a:r>
           </a:p>
           <a:p>
-            <a:r>
-              <a:rPr lang="ru-RU" dirty="0"/>
+            <a:pPr>
+              <a:lnSpc>
+                <a:spcPct val="120000"/>
+              </a:lnSpc>
+            </a:pPr>
+            <a:r>
+              <a:rPr lang="ru-RU" sz="1400" dirty="0">
+                <a:latin typeface="Times New Roman" panose="02020603050405020304" pitchFamily="18" charset="0"/>
+                <a:cs typeface="Times New Roman" panose="02020603050405020304" pitchFamily="18" charset="0"/>
+              </a:rPr>
               <a:t>При условии достаточности существующего ПИ-регулятора в контуре АВО, далее перейти к созданию полной ректификационной колоны (ПРК).</a:t>
             </a:r>
           </a:p>
           <a:p>
-            <a:r>
-              <a:rPr lang="ru-RU" dirty="0"/>
-              <a:t>При появлении полноценного объекта (ПРК) можно переходить к созданию лабораторного стенда, имитирующего работу ПРК с возможностью отработки внешнего возмущения, подаваемого студентом из вне.</a:t>
-            </a:r>
-          </a:p>
-          <a:p>
-            <a:endParaRPr lang="ru-RU" dirty="0">
+            <a:pPr>
+              <a:lnSpc>
+                <a:spcPct val="120000"/>
+              </a:lnSpc>
+            </a:pPr>
+            <a:r>
+              <a:rPr lang="ru-RU" sz="1400" dirty="0">
+                <a:latin typeface="Times New Roman" panose="02020603050405020304" pitchFamily="18" charset="0"/>
+                <a:cs typeface="Times New Roman" panose="02020603050405020304" pitchFamily="18" charset="0"/>
+              </a:rPr>
+              <a:t>При появлении полноценного объекта (ПРК) можно переходить к созданию лабораторного стенда, имитирующего работу ПРК с возможностью отработки внешнего возмущения, подаваемого студентом из вне</a:t>
+            </a:r>
+            <a:r>
+              <a:rPr lang="ru-RU" sz="1400" dirty="0" smtClean="0">
+                <a:latin typeface="Times New Roman" panose="02020603050405020304" pitchFamily="18" charset="0"/>
+                <a:cs typeface="Times New Roman" panose="02020603050405020304" pitchFamily="18" charset="0"/>
+              </a:rPr>
+              <a:t>.</a:t>
+            </a:r>
+          </a:p>
+          <a:p>
+            <a:pPr>
+              <a:lnSpc>
+                <a:spcPct val="120000"/>
+              </a:lnSpc>
+            </a:pPr>
+            <a:r>
+              <a:rPr lang="ru-RU" sz="1400" dirty="0" smtClean="0">
+                <a:latin typeface="Times New Roman" panose="02020603050405020304" pitchFamily="18" charset="0"/>
+                <a:cs typeface="Times New Roman" panose="02020603050405020304" pitchFamily="18" charset="0"/>
+              </a:rPr>
+              <a:t>Закончить третью главу диссертации и написать выводы к ней.</a:t>
+            </a:r>
+          </a:p>
+          <a:p>
+            <a:pPr>
+              <a:lnSpc>
+                <a:spcPct val="120000"/>
+              </a:lnSpc>
+            </a:pPr>
+            <a:r>
+              <a:rPr lang="ru-RU" sz="1400" dirty="0" smtClean="0">
+                <a:latin typeface="Times New Roman" panose="02020603050405020304" pitchFamily="18" charset="0"/>
+                <a:cs typeface="Times New Roman" panose="02020603050405020304" pitchFamily="18" charset="0"/>
+              </a:rPr>
+              <a:t>Опубликовать 3 доклада. (на конференции ПУТС-2021</a:t>
+            </a:r>
+            <a:r>
+              <a:rPr lang="ru-RU" sz="1400" dirty="0" smtClean="0">
+                <a:latin typeface="Times New Roman" panose="02020603050405020304" pitchFamily="18" charset="0"/>
+                <a:cs typeface="Times New Roman" panose="02020603050405020304" pitchFamily="18" charset="0"/>
+              </a:rPr>
+              <a:t>, </a:t>
+            </a:r>
+            <a:r>
+              <a:rPr lang="ru-RU" sz="1400" dirty="0">
+                <a:latin typeface="Times New Roman" panose="02020603050405020304" pitchFamily="18" charset="0"/>
+                <a:cs typeface="Times New Roman" panose="02020603050405020304" pitchFamily="18" charset="0"/>
+              </a:rPr>
+              <a:t>Х Всероссийская научная конференция «Системный синтез и прикладная синергетика», «Проблемы управления, обработки и передачи информации» (УОПИ))</a:t>
+            </a:r>
+            <a:endParaRPr lang="ru-RU" sz="1400" dirty="0">
+              <a:latin typeface="Times New Roman" panose="02020603050405020304" pitchFamily="18" charset="0"/>
+              <a:cs typeface="Times New Roman" panose="02020603050405020304" pitchFamily="18" charset="0"/>
+            </a:endParaRPr>
+          </a:p>
+          <a:p>
+            <a:pPr>
+              <a:lnSpc>
+                <a:spcPct val="120000"/>
+              </a:lnSpc>
+            </a:pPr>
+            <a:endParaRPr lang="ru-RU" sz="1400" dirty="0">
               <a:latin typeface="Times New Roman" panose="02020603050405020304" pitchFamily="18" charset="0"/>
               <a:cs typeface="Times New Roman" panose="02020603050405020304" pitchFamily="18" charset="0"/>
             </a:endParaRPr>
@@ -3793,423 +3970,6 @@
     <p:extLst>
       <p:ext uri="{BB962C8B-B14F-4D97-AF65-F5344CB8AC3E}">
         <p14:creationId xmlns:p14="http://schemas.microsoft.com/office/powerpoint/2010/main" val="3217179220"/>
-      </p:ext>
-    </p:extLst>
-  </p:cSld>
-  <p:clrMapOvr>
-    <a:masterClrMapping/>
-  </p:clrMapOvr>
-</p:sld>
-</file>
-
-<file path=ppt/slides/slide3.xml><?xml version="1.0" encoding="utf-8"?>
-<p:sld xmlns:a="http://schemas.openxmlformats.org/drawingml/2006/main" xmlns:r="http://schemas.openxmlformats.org/officeDocument/2006/relationships" xmlns:p="http://schemas.openxmlformats.org/presentationml/2006/main">
-  <p:cSld>
-    <p:spTree>
-      <p:nvGrpSpPr>
-        <p:cNvPr id="1" name=""/>
-        <p:cNvGrpSpPr/>
-        <p:nvPr/>
-      </p:nvGrpSpPr>
-      <p:grpSpPr>
-        <a:xfrm>
-          <a:off x="0" y="0"/>
-          <a:ext cx="0" cy="0"/>
-          <a:chOff x="0" y="0"/>
-          <a:chExt cx="0" cy="0"/>
-        </a:xfrm>
-      </p:grpSpPr>
-      <p:sp>
-        <p:nvSpPr>
-          <p:cNvPr id="5" name="Прямоугольник 4"/>
-          <p:cNvSpPr/>
-          <p:nvPr/>
-        </p:nvSpPr>
-        <p:spPr>
-          <a:xfrm>
-            <a:off x="4709929" y="582989"/>
-            <a:ext cx="2920346" cy="560153"/>
-          </a:xfrm>
-          <a:prstGeom prst="rect">
-            <a:avLst/>
-          </a:prstGeom>
-        </p:spPr>
-        <p:txBody>
-          <a:bodyPr wrap="square">
-            <a:spAutoFit/>
-          </a:bodyPr>
-          <a:lstStyle/>
-          <a:p>
-            <a:pPr indent="182880" algn="ctr">
-              <a:lnSpc>
-                <a:spcPct val="95000"/>
-              </a:lnSpc>
-              <a:spcAft>
-                <a:spcPts val="600"/>
-              </a:spcAft>
-              <a:tabLst>
-                <a:tab pos="182880" algn="l"/>
-              </a:tabLst>
-            </a:pPr>
-            <a:r>
-              <a:rPr lang="ru-RU" sz="3200" dirty="0" smtClean="0">
-                <a:latin typeface="Times New Roman" panose="02020603050405020304" pitchFamily="18" charset="0"/>
-                <a:cs typeface="Times New Roman" panose="02020603050405020304" pitchFamily="18" charset="0"/>
-              </a:rPr>
-              <a:t>Выводы:</a:t>
-            </a:r>
-          </a:p>
-        </p:txBody>
-      </p:sp>
-      <p:sp>
-        <p:nvSpPr>
-          <p:cNvPr id="3" name="Прямоугольник 2"/>
-          <p:cNvSpPr/>
-          <p:nvPr/>
-        </p:nvSpPr>
-        <p:spPr>
-          <a:xfrm>
-            <a:off x="939566" y="1458664"/>
-            <a:ext cx="10461071" cy="1825115"/>
-          </a:xfrm>
-          <a:prstGeom prst="rect">
-            <a:avLst/>
-          </a:prstGeom>
-        </p:spPr>
-        <p:txBody>
-          <a:bodyPr wrap="square">
-            <a:spAutoFit/>
-          </a:bodyPr>
-          <a:lstStyle/>
-          <a:p>
-            <a:pPr marL="342900" indent="-342900">
-              <a:lnSpc>
-                <a:spcPct val="95000"/>
-              </a:lnSpc>
-              <a:spcAft>
-                <a:spcPts val="600"/>
-              </a:spcAft>
-              <a:buFont typeface="+mj-lt"/>
-              <a:buAutoNum type="arabicPeriod"/>
-              <a:tabLst>
-                <a:tab pos="182880" algn="l"/>
-              </a:tabLst>
-            </a:pPr>
-            <a:r>
-              <a:rPr lang="ru-RU" dirty="0">
-                <a:solidFill>
-                  <a:schemeClr val="accent2">
-                    <a:lumMod val="75000"/>
-                  </a:schemeClr>
-                </a:solidFill>
-                <a:latin typeface="Times New Roman" panose="02020603050405020304" pitchFamily="18" charset="0"/>
-                <a:cs typeface="Times New Roman" panose="02020603050405020304" pitchFamily="18" charset="0"/>
-              </a:rPr>
-              <a:t>В следствии </a:t>
-            </a:r>
-            <a:r>
-              <a:rPr lang="ru-RU" dirty="0" smtClean="0">
-                <a:solidFill>
-                  <a:schemeClr val="accent2">
-                    <a:lumMod val="75000"/>
-                  </a:schemeClr>
-                </a:solidFill>
-                <a:latin typeface="Times New Roman" panose="02020603050405020304" pitchFamily="18" charset="0"/>
-                <a:cs typeface="Times New Roman" panose="02020603050405020304" pitchFamily="18" charset="0"/>
-              </a:rPr>
-              <a:t>полученных результатов моделирования системы с ПИ-регулятором, становится очевидно, что </a:t>
-            </a:r>
-            <a:r>
-              <a:rPr lang="ru-RU" dirty="0">
-                <a:solidFill>
-                  <a:schemeClr val="accent2">
-                    <a:lumMod val="75000"/>
-                  </a:schemeClr>
-                </a:solidFill>
-                <a:latin typeface="Times New Roman" panose="02020603050405020304" pitchFamily="18" charset="0"/>
-                <a:cs typeface="Times New Roman" panose="02020603050405020304" pitchFamily="18" charset="0"/>
-              </a:rPr>
-              <a:t>создание адаптивного регулятора является избыточным и не обоснованным решением</a:t>
-            </a:r>
-            <a:r>
-              <a:rPr lang="ru-RU" dirty="0" smtClean="0">
-                <a:solidFill>
-                  <a:schemeClr val="accent2">
-                    <a:lumMod val="75000"/>
-                  </a:schemeClr>
-                </a:solidFill>
-                <a:latin typeface="Times New Roman" panose="02020603050405020304" pitchFamily="18" charset="0"/>
-                <a:cs typeface="Times New Roman" panose="02020603050405020304" pitchFamily="18" charset="0"/>
-              </a:rPr>
-              <a:t>.</a:t>
-            </a:r>
-          </a:p>
-          <a:p>
-            <a:pPr marL="342900" indent="-342900">
-              <a:lnSpc>
-                <a:spcPct val="95000"/>
-              </a:lnSpc>
-              <a:spcAft>
-                <a:spcPts val="600"/>
-              </a:spcAft>
-              <a:buFont typeface="+mj-lt"/>
-              <a:buAutoNum type="arabicPeriod"/>
-              <a:tabLst>
-                <a:tab pos="182880" algn="l"/>
-              </a:tabLst>
-            </a:pPr>
-            <a:r>
-              <a:rPr lang="ru-RU" dirty="0" smtClean="0">
-                <a:solidFill>
-                  <a:schemeClr val="accent2">
-                    <a:lumMod val="75000"/>
-                  </a:schemeClr>
-                </a:solidFill>
-                <a:latin typeface="Times New Roman" panose="02020603050405020304" pitchFamily="18" charset="0"/>
-                <a:cs typeface="Times New Roman" panose="02020603050405020304" pitchFamily="18" charset="0"/>
-              </a:rPr>
-              <a:t>В данной системе – распределённой, невозможно </a:t>
-            </a:r>
-            <a:r>
-              <a:rPr lang="ru-RU" dirty="0">
-                <a:solidFill>
-                  <a:schemeClr val="accent2">
-                    <a:lumMod val="75000"/>
-                  </a:schemeClr>
-                </a:solidFill>
-                <a:latin typeface="Times New Roman" panose="02020603050405020304" pitchFamily="18" charset="0"/>
-                <a:cs typeface="Times New Roman" panose="02020603050405020304" pitchFamily="18" charset="0"/>
-              </a:rPr>
-              <a:t>скомпенсировать </a:t>
-            </a:r>
-            <a:r>
-              <a:rPr lang="ru-RU" dirty="0" smtClean="0">
-                <a:solidFill>
-                  <a:schemeClr val="accent2">
-                    <a:lumMod val="75000"/>
-                  </a:schemeClr>
-                </a:solidFill>
-                <a:latin typeface="Times New Roman" panose="02020603050405020304" pitchFamily="18" charset="0"/>
-                <a:cs typeface="Times New Roman" panose="02020603050405020304" pitchFamily="18" charset="0"/>
-              </a:rPr>
-              <a:t>возмущение по </a:t>
-            </a:r>
-            <a:r>
-              <a:rPr lang="ru-RU" dirty="0" err="1" smtClean="0">
-                <a:solidFill>
-                  <a:schemeClr val="accent2">
-                    <a:lumMod val="75000"/>
-                  </a:schemeClr>
-                </a:solidFill>
-                <a:latin typeface="Times New Roman" panose="02020603050405020304" pitchFamily="18" charset="0"/>
-                <a:cs typeface="Times New Roman" panose="02020603050405020304" pitchFamily="18" charset="0"/>
-              </a:rPr>
-              <a:t>Тпар</a:t>
-            </a:r>
-            <a:r>
-              <a:rPr lang="ru-RU" dirty="0">
-                <a:solidFill>
-                  <a:schemeClr val="accent2">
-                    <a:lumMod val="75000"/>
-                  </a:schemeClr>
-                </a:solidFill>
-                <a:latin typeface="Times New Roman" panose="02020603050405020304" pitchFamily="18" charset="0"/>
-                <a:cs typeface="Times New Roman" panose="02020603050405020304" pitchFamily="18" charset="0"/>
-              </a:rPr>
-              <a:t> </a:t>
-            </a:r>
-            <a:r>
-              <a:rPr lang="ru-RU" dirty="0" smtClean="0">
-                <a:solidFill>
-                  <a:schemeClr val="accent2">
-                    <a:lumMod val="75000"/>
-                  </a:schemeClr>
-                </a:solidFill>
-                <a:latin typeface="Times New Roman" panose="02020603050405020304" pitchFamily="18" charset="0"/>
-                <a:cs typeface="Times New Roman" panose="02020603050405020304" pitchFamily="18" charset="0"/>
-                <a:sym typeface="Symbol" panose="05050102010706020507" pitchFamily="18" charset="2"/>
-              </a:rPr>
-              <a:t></a:t>
-            </a:r>
-            <a:r>
-              <a:rPr lang="ru-RU" dirty="0" smtClean="0">
-                <a:solidFill>
-                  <a:schemeClr val="accent2">
-                    <a:lumMod val="75000"/>
-                  </a:schemeClr>
-                </a:solidFill>
-                <a:latin typeface="Times New Roman" panose="02020603050405020304" pitchFamily="18" charset="0"/>
-                <a:cs typeface="Times New Roman" panose="02020603050405020304" pitchFamily="18" charset="0"/>
-              </a:rPr>
-              <a:t> </a:t>
-            </a:r>
-            <a:r>
-              <a:rPr lang="ru-RU" dirty="0" err="1" smtClean="0">
-                <a:solidFill>
-                  <a:schemeClr val="accent2">
-                    <a:lumMod val="75000"/>
-                  </a:schemeClr>
-                </a:solidFill>
-                <a:latin typeface="Times New Roman" panose="02020603050405020304" pitchFamily="18" charset="0"/>
-                <a:cs typeface="Times New Roman" panose="02020603050405020304" pitchFamily="18" charset="0"/>
-              </a:rPr>
-              <a:t>Спара</a:t>
-            </a:r>
-            <a:r>
-              <a:rPr lang="ru-RU" dirty="0">
-                <a:solidFill>
-                  <a:schemeClr val="accent2">
-                    <a:lumMod val="75000"/>
-                  </a:schemeClr>
-                </a:solidFill>
-                <a:latin typeface="Times New Roman" panose="02020603050405020304" pitchFamily="18" charset="0"/>
-                <a:cs typeface="Times New Roman" panose="02020603050405020304" pitchFamily="18" charset="0"/>
-              </a:rPr>
-              <a:t> </a:t>
-            </a:r>
-            <a:r>
-              <a:rPr lang="ru-RU" dirty="0">
-                <a:solidFill>
-                  <a:schemeClr val="accent2">
-                    <a:lumMod val="75000"/>
-                  </a:schemeClr>
-                </a:solidFill>
-                <a:latin typeface="Times New Roman" panose="02020603050405020304" pitchFamily="18" charset="0"/>
-                <a:cs typeface="Times New Roman" panose="02020603050405020304" pitchFamily="18" charset="0"/>
-                <a:sym typeface="Symbol" panose="05050102010706020507" pitchFamily="18" charset="2"/>
-              </a:rPr>
-              <a:t></a:t>
-            </a:r>
-            <a:r>
-              <a:rPr lang="ru-RU" dirty="0" smtClean="0">
-                <a:solidFill>
-                  <a:schemeClr val="accent2">
-                    <a:lumMod val="75000"/>
-                  </a:schemeClr>
-                </a:solidFill>
-                <a:latin typeface="Times New Roman" panose="02020603050405020304" pitchFamily="18" charset="0"/>
-                <a:cs typeface="Times New Roman" panose="02020603050405020304" pitchFamily="18" charset="0"/>
-              </a:rPr>
-              <a:t> </a:t>
-            </a:r>
-            <a:r>
-              <a:rPr lang="ru-RU" dirty="0" err="1" smtClean="0">
-                <a:solidFill>
-                  <a:schemeClr val="accent2">
-                    <a:lumMod val="75000"/>
-                  </a:schemeClr>
-                </a:solidFill>
-                <a:latin typeface="Times New Roman" panose="02020603050405020304" pitchFamily="18" charset="0"/>
-                <a:cs typeface="Times New Roman" panose="02020603050405020304" pitchFamily="18" charset="0"/>
-              </a:rPr>
-              <a:t>Сжид</a:t>
-            </a:r>
-            <a:r>
-              <a:rPr lang="ru-RU" dirty="0" smtClean="0">
-                <a:solidFill>
-                  <a:schemeClr val="accent2">
-                    <a:lumMod val="75000"/>
-                  </a:schemeClr>
-                </a:solidFill>
-                <a:latin typeface="Times New Roman" panose="02020603050405020304" pitchFamily="18" charset="0"/>
-                <a:cs typeface="Times New Roman" panose="02020603050405020304" pitchFamily="18" charset="0"/>
-              </a:rPr>
-              <a:t>, т.к. управление возможно только по последней пространственной точки.</a:t>
-            </a:r>
-          </a:p>
-          <a:p>
-            <a:pPr marL="342900" indent="-342900">
-              <a:lnSpc>
-                <a:spcPct val="95000"/>
-              </a:lnSpc>
-              <a:spcAft>
-                <a:spcPts val="600"/>
-              </a:spcAft>
-              <a:buFont typeface="+mj-lt"/>
-              <a:buAutoNum type="arabicPeriod"/>
-              <a:tabLst>
-                <a:tab pos="182880" algn="l"/>
-              </a:tabLst>
-            </a:pPr>
-            <a:r>
-              <a:rPr lang="ru-RU" dirty="0" smtClean="0">
-                <a:solidFill>
-                  <a:schemeClr val="accent2">
-                    <a:lumMod val="75000"/>
-                  </a:schemeClr>
-                </a:solidFill>
-                <a:latin typeface="Times New Roman" panose="02020603050405020304" pitchFamily="18" charset="0"/>
-                <a:cs typeface="Times New Roman" panose="02020603050405020304" pitchFamily="18" charset="0"/>
-              </a:rPr>
-              <a:t>Регулирование </a:t>
-            </a:r>
-            <a:r>
-              <a:rPr lang="ru-RU" dirty="0" err="1" smtClean="0">
-                <a:solidFill>
-                  <a:schemeClr val="accent2">
-                    <a:lumMod val="75000"/>
-                  </a:schemeClr>
-                </a:solidFill>
-                <a:latin typeface="Times New Roman" panose="02020603050405020304" pitchFamily="18" charset="0"/>
-                <a:cs typeface="Times New Roman" panose="02020603050405020304" pitchFamily="18" charset="0"/>
-              </a:rPr>
-              <a:t>Тпара</a:t>
-            </a:r>
-            <a:r>
-              <a:rPr lang="ru-RU" dirty="0" smtClean="0">
-                <a:solidFill>
-                  <a:schemeClr val="accent2">
-                    <a:lumMod val="75000"/>
-                  </a:schemeClr>
-                </a:solidFill>
-                <a:latin typeface="Times New Roman" panose="02020603050405020304" pitchFamily="18" charset="0"/>
-                <a:cs typeface="Times New Roman" panose="02020603050405020304" pitchFamily="18" charset="0"/>
-              </a:rPr>
-              <a:t> требует дополнительного источника тепла. Невозможно управлять 2-мя параметрами системы имея </a:t>
-            </a:r>
-            <a:r>
-              <a:rPr lang="en-US" dirty="0" smtClean="0">
-                <a:solidFill>
-                  <a:schemeClr val="accent2">
-                    <a:lumMod val="75000"/>
-                  </a:schemeClr>
-                </a:solidFill>
-                <a:latin typeface="Times New Roman" panose="02020603050405020304" pitchFamily="18" charset="0"/>
-                <a:cs typeface="Times New Roman" panose="02020603050405020304" pitchFamily="18" charset="0"/>
-              </a:rPr>
-              <a:t>1</a:t>
-            </a:r>
-            <a:r>
-              <a:rPr lang="ru-RU" dirty="0" smtClean="0">
-                <a:solidFill>
-                  <a:schemeClr val="accent2">
-                    <a:lumMod val="75000"/>
-                  </a:schemeClr>
-                </a:solidFill>
-                <a:latin typeface="Times New Roman" panose="02020603050405020304" pitchFamily="18" charset="0"/>
-                <a:cs typeface="Times New Roman" panose="02020603050405020304" pitchFamily="18" charset="0"/>
-              </a:rPr>
-              <a:t> </a:t>
-            </a:r>
-            <a:r>
-              <a:rPr lang="ru-RU" dirty="0">
-                <a:solidFill>
-                  <a:schemeClr val="accent2">
-                    <a:lumMod val="75000"/>
-                  </a:schemeClr>
-                </a:solidFill>
-                <a:latin typeface="Times New Roman" panose="02020603050405020304" pitchFamily="18" charset="0"/>
-                <a:cs typeface="Times New Roman" panose="02020603050405020304" pitchFamily="18" charset="0"/>
-              </a:rPr>
-              <a:t>источника тепла.</a:t>
-            </a:r>
-          </a:p>
-        </p:txBody>
-      </p:sp>
-    </p:spTree>
-    <p:extLst>
-      <p:ext uri="{BB962C8B-B14F-4D97-AF65-F5344CB8AC3E}">
-        <p14:creationId xmlns:p14="http://schemas.microsoft.com/office/powerpoint/2010/main" val="1096527842"/>
       </p:ext>
     </p:extLst>
   </p:cSld>
